--- a/database/slides/JESUS_I_BELIEVE_WHAT_YOU_SAY.pptx
+++ b/database/slides/JESUS_I_BELIEVE_WHAT_YOU_SAY.pptx
@@ -15883,7 +15883,13 @@
       </p:sp>
       <p:sp>
         <p:nvSpPr>
-          <p:cNvPr id="131" name="Google Shape;131;p25"/>
+          <p:cNvPr id="2" name="Google Shape;131;p25">
+            <a:extLst>
+              <a:ext uri="{FF2B5EF4-FFF2-40B4-BE49-F238E27FC236}">
+                <a16:creationId xmlns:a16="http://schemas.microsoft.com/office/drawing/2014/main" id="{02AE469D-3819-8BE2-E0AD-892420DE2269}"/>
+              </a:ext>
+            </a:extLst>
+          </p:cNvPr>
           <p:cNvSpPr txBox="1"/>
           <p:nvPr/>
         </p:nvSpPr>
@@ -15906,11 +15912,19 @@
           </a:bodyPr>
           <a:lstStyle/>
           <a:p>
-            <a:pPr>
+            <a:pPr marL="0" lvl="0" indent="0" algn="l" rtl="0">
+              <a:spcBef>
+                <a:spcPts val="0"/>
+              </a:spcBef>
+              <a:spcAft>
+                <a:spcPts val="0"/>
+              </a:spcAft>
               <a:buClr>
                 <a:schemeClr val="lt1"/>
               </a:buClr>
               <a:buSzPts val="3200"/>
+              <a:buFont typeface="Arial"/>
+              <a:buNone/>
             </a:pPr>
             <a:r>
               <a:rPr lang="en-GB" sz="3600" b="1" i="1" dirty="0">
@@ -15924,7 +15938,7 @@
               </a:rPr>
               <a:t>contd..</a:t>
             </a:r>
-            <a:endParaRPr lang="en-GB" sz="3600" dirty="0">
+            <a:endParaRPr sz="3600" dirty="0">
               <a:latin typeface="Calibri"/>
               <a:ea typeface="Calibri"/>
               <a:cs typeface="Calibri"/>

--- a/database/slides/JESUS_I_BELIEVE_WHAT_YOU_SAY.pptx
+++ b/database/slides/JESUS_I_BELIEVE_WHAT_YOU_SAY.pptx
@@ -830,13 +830,7 @@
   <p:cSld>
     <p:spTree>
       <p:nvGrpSpPr>
-        <p:cNvPr id="1" name="Shape 125">
-          <a:extLst>
-            <a:ext uri="{FF2B5EF4-FFF2-40B4-BE49-F238E27FC236}">
-              <a16:creationId xmlns:a16="http://schemas.microsoft.com/office/drawing/2014/main" id="{23F87384-8022-E1ED-8948-D5C018625E43}"/>
-            </a:ext>
-          </a:extLst>
-        </p:cNvPr>
+        <p:cNvPr id="1" name="Shape 125"/>
         <p:cNvGrpSpPr/>
         <p:nvPr/>
       </p:nvGrpSpPr>
@@ -850,13 +844,7 @@
       </p:grpSpPr>
       <p:sp>
         <p:nvSpPr>
-          <p:cNvPr id="126" name="Google Shape;126;g24f3f32051f_0_87:notes">
-            <a:extLst>
-              <a:ext uri="{FF2B5EF4-FFF2-40B4-BE49-F238E27FC236}">
-                <a16:creationId xmlns:a16="http://schemas.microsoft.com/office/drawing/2014/main" id="{AE60EC21-54AE-4974-1D66-0AC88333AC56}"/>
-              </a:ext>
-            </a:extLst>
-          </p:cNvPr>
+          <p:cNvPr id="126" name="Google Shape;126;g24f3f32051f_0_87:notes"/>
           <p:cNvSpPr txBox="1">
             <a:spLocks noGrp="1"/>
           </p:cNvSpPr>
@@ -894,13 +882,7 @@
       </p:sp>
       <p:sp>
         <p:nvSpPr>
-          <p:cNvPr id="127" name="Google Shape;127;g24f3f32051f_0_87:notes">
-            <a:extLst>
-              <a:ext uri="{FF2B5EF4-FFF2-40B4-BE49-F238E27FC236}">
-                <a16:creationId xmlns:a16="http://schemas.microsoft.com/office/drawing/2014/main" id="{D848A9FE-AF9E-CF53-83E8-22ECCD9E7027}"/>
-              </a:ext>
-            </a:extLst>
-          </p:cNvPr>
+          <p:cNvPr id="127" name="Google Shape;127;g24f3f32051f_0_87:notes"/>
           <p:cNvSpPr>
             <a:spLocks noGrp="1" noRot="1" noChangeAspect="1"/>
           </p:cNvSpPr>
@@ -942,7 +924,7 @@
     </p:spTree>
     <p:extLst>
       <p:ext uri="{BB962C8B-B14F-4D97-AF65-F5344CB8AC3E}">
-        <p14:creationId xmlns:p14="http://schemas.microsoft.com/office/powerpoint/2010/main" val="1797580362"/>
+        <p14:creationId xmlns:p14="http://schemas.microsoft.com/office/powerpoint/2010/main" val="1536880056"/>
       </p:ext>
     </p:extLst>
   </p:cSld>
@@ -15762,7 +15744,7 @@
                 <a:ea typeface="Calibri" panose="020F0502020204030204" pitchFamily="34" charset="0"/>
                 <a:cs typeface="Calibri" panose="020F0502020204030204" pitchFamily="34" charset="0"/>
               </a:rPr>
-              <a:t>And Jesus, I believe what you said.</a:t>
+              <a:t>and Jesus, I believe what you said.</a:t>
             </a:r>
           </a:p>
           <a:p>
@@ -15811,16 +15793,20 @@
               </a:rPr>
               <a:t>I believe you really love me,</a:t>
             </a:r>
-            <a:br>
-              <a:rPr lang="en-GB" sz="3600" b="1" dirty="0">
-                <a:solidFill>
-                  <a:schemeClr val="bg1"/>
-                </a:solidFill>
-                <a:latin typeface="Calibri" panose="020F0502020204030204" pitchFamily="34" charset="0"/>
-                <a:ea typeface="Calibri" panose="020F0502020204030204" pitchFamily="34" charset="0"/>
-                <a:cs typeface="Calibri" panose="020F0502020204030204" pitchFamily="34" charset="0"/>
-              </a:rPr>
-            </a:br>
+          </a:p>
+          <a:p>
+            <a:pPr marL="114300" indent="0">
+              <a:lnSpc>
+                <a:spcPct val="100000"/>
+              </a:lnSpc>
+              <a:spcBef>
+                <a:spcPct val="0"/>
+              </a:spcBef>
+              <a:spcAft>
+                <a:spcPct val="0"/>
+              </a:spcAft>
+              <a:buNone/>
+            </a:pPr>
             <a:r>
               <a:rPr lang="en-GB" sz="3600" b="1" dirty="0">
                 <a:solidFill>
@@ -15857,16 +15843,20 @@
               </a:rPr>
               <a:t>I believe you came to serve me,</a:t>
             </a:r>
-            <a:br>
-              <a:rPr lang="en-GB" sz="3600" b="1" dirty="0">
-                <a:solidFill>
-                  <a:schemeClr val="bg1"/>
-                </a:solidFill>
-                <a:latin typeface="Calibri" panose="020F0502020204030204" pitchFamily="34" charset="0"/>
-                <a:ea typeface="Calibri" panose="020F0502020204030204" pitchFamily="34" charset="0"/>
-                <a:cs typeface="Calibri" panose="020F0502020204030204" pitchFamily="34" charset="0"/>
-              </a:rPr>
-            </a:br>
+          </a:p>
+          <a:p>
+            <a:pPr marL="114300" indent="0">
+              <a:lnSpc>
+                <a:spcPct val="100000"/>
+              </a:lnSpc>
+              <a:spcBef>
+                <a:spcPct val="0"/>
+              </a:spcBef>
+              <a:spcAft>
+                <a:spcPct val="0"/>
+              </a:spcAft>
+              <a:buNone/>
+            </a:pPr>
             <a:r>
               <a:rPr lang="en-GB" sz="3600" b="1" dirty="0">
                 <a:solidFill>
@@ -15876,7 +15866,7 @@
                 <a:ea typeface="Calibri" panose="020F0502020204030204" pitchFamily="34" charset="0"/>
                 <a:cs typeface="Calibri" panose="020F0502020204030204" pitchFamily="34" charset="0"/>
               </a:rPr>
-              <a:t>And if I get troubled you’ll be there.</a:t>
+              <a:t>and if I get troubled you’ll be there.</a:t>
             </a:r>
           </a:p>
         </p:txBody>
@@ -15886,7 +15876,7 @@
           <p:cNvPr id="2" name="Google Shape;131;p25">
             <a:extLst>
               <a:ext uri="{FF2B5EF4-FFF2-40B4-BE49-F238E27FC236}">
-                <a16:creationId xmlns:a16="http://schemas.microsoft.com/office/drawing/2014/main" id="{02AE469D-3819-8BE2-E0AD-892420DE2269}"/>
+                <a16:creationId xmlns:a16="http://schemas.microsoft.com/office/drawing/2014/main" id="{9C3E2805-8386-E05F-0FB1-1D7DCED0BCFA}"/>
               </a:ext>
             </a:extLst>
           </p:cNvPr>
@@ -15973,13 +15963,7 @@
     </p:bg>
     <p:spTree>
       <p:nvGrpSpPr>
-        <p:cNvPr id="1" name="Shape 128">
-          <a:extLst>
-            <a:ext uri="{FF2B5EF4-FFF2-40B4-BE49-F238E27FC236}">
-              <a16:creationId xmlns:a16="http://schemas.microsoft.com/office/drawing/2014/main" id="{440568DA-0CE7-76FE-1366-D15692E87935}"/>
-            </a:ext>
-          </a:extLst>
-        </p:cNvPr>
+        <p:cNvPr id="1" name="Shape 128"/>
         <p:cNvGrpSpPr/>
         <p:nvPr/>
       </p:nvGrpSpPr>
@@ -15993,13 +15977,7 @@
       </p:grpSpPr>
       <p:sp>
         <p:nvSpPr>
-          <p:cNvPr id="129" name="Google Shape;129;p25">
-            <a:extLst>
-              <a:ext uri="{FF2B5EF4-FFF2-40B4-BE49-F238E27FC236}">
-                <a16:creationId xmlns:a16="http://schemas.microsoft.com/office/drawing/2014/main" id="{7944388F-CA3E-D956-BA64-DA3EF41DD6AD}"/>
-              </a:ext>
-            </a:extLst>
-          </p:cNvPr>
+          <p:cNvPr id="129" name="Google Shape;129;p25"/>
           <p:cNvSpPr txBox="1">
             <a:spLocks noGrp="1"/>
           </p:cNvSpPr>
@@ -16040,13 +16018,7 @@
       </p:sp>
       <p:sp>
         <p:nvSpPr>
-          <p:cNvPr id="130" name="Google Shape;130;p25">
-            <a:extLst>
-              <a:ext uri="{FF2B5EF4-FFF2-40B4-BE49-F238E27FC236}">
-                <a16:creationId xmlns:a16="http://schemas.microsoft.com/office/drawing/2014/main" id="{DA6D25BF-EB14-172D-EF9D-3FD49E56330F}"/>
-              </a:ext>
-            </a:extLst>
-          </p:cNvPr>
+          <p:cNvPr id="130" name="Google Shape;130;p25"/>
           <p:cNvSpPr txBox="1">
             <a:spLocks noGrp="1"/>
           </p:cNvSpPr>
@@ -16191,7 +16163,7 @@
                 <a:ea typeface="Calibri" panose="020F0502020204030204" pitchFamily="34" charset="0"/>
                 <a:cs typeface="Calibri" panose="020F0502020204030204" pitchFamily="34" charset="0"/>
               </a:rPr>
-              <a:t>Oh, how sweet it is to touch you,</a:t>
+              <a:t>Oh! how sweet it is to touch you,</a:t>
             </a:r>
           </a:p>
           <a:p>
@@ -16234,10 +16206,10 @@
       </p:sp>
       <p:sp>
         <p:nvSpPr>
-          <p:cNvPr id="131" name="Google Shape;131;p25">
+          <p:cNvPr id="2" name="Google Shape;131;p25">
             <a:extLst>
               <a:ext uri="{FF2B5EF4-FFF2-40B4-BE49-F238E27FC236}">
-                <a16:creationId xmlns:a16="http://schemas.microsoft.com/office/drawing/2014/main" id="{68F3EF0E-4825-4998-5F15-7ADE1A688238}"/>
+                <a16:creationId xmlns:a16="http://schemas.microsoft.com/office/drawing/2014/main" id="{9C3E2805-8386-E05F-0FB1-1D7DCED0BCFA}"/>
               </a:ext>
             </a:extLst>
           </p:cNvPr>
@@ -16263,13 +16235,21 @@
           </a:bodyPr>
           <a:lstStyle/>
           <a:p>
-            <a:pPr>
+            <a:pPr marL="0" lvl="0" indent="0" algn="l" rtl="0">
+              <a:spcBef>
+                <a:spcPts val="0"/>
+              </a:spcBef>
+              <a:spcAft>
+                <a:spcPts val="0"/>
+              </a:spcAft>
               <a:buClr>
                 <a:schemeClr val="lt1"/>
               </a:buClr>
               <a:buSzPts val="3200"/>
+              <a:buFont typeface="Arial"/>
+              <a:buNone/>
             </a:pPr>
-            <a:endParaRPr lang="en-GB" sz="3600" dirty="0">
+            <a:endParaRPr sz="3600" dirty="0">
               <a:latin typeface="Calibri"/>
               <a:ea typeface="Calibri"/>
               <a:cs typeface="Calibri"/>
@@ -16281,7 +16261,7 @@
     </p:spTree>
     <p:extLst>
       <p:ext uri="{BB962C8B-B14F-4D97-AF65-F5344CB8AC3E}">
-        <p14:creationId xmlns:p14="http://schemas.microsoft.com/office/powerpoint/2010/main" val="1870920999"/>
+        <p14:creationId xmlns:p14="http://schemas.microsoft.com/office/powerpoint/2010/main" val="2888600576"/>
       </p:ext>
     </p:extLst>
   </p:cSld>
